--- a/Apresentação/apresentacao2.pptx
+++ b/Apresentação/apresentacao2.pptx
@@ -14673,6 +14673,36 @@
           <a:chExt cx="0" cy="0"/>
         </a:xfrm>
       </p:grpSpPr>
+      <p:pic>
+        <p:nvPicPr>
+          <p:cNvPr id="4" name="Imagem 3">
+            <a:extLst>
+              <a:ext uri="{FF2B5EF4-FFF2-40B4-BE49-F238E27FC236}">
+                <a16:creationId xmlns:a16="http://schemas.microsoft.com/office/drawing/2014/main" id="{05D8BD6C-BC1C-4A3E-BD1E-54917064118D}"/>
+              </a:ext>
+            </a:extLst>
+          </p:cNvPr>
+          <p:cNvPicPr>
+            <a:picLocks noChangeAspect="1"/>
+          </p:cNvPicPr>
+          <p:nvPr/>
+        </p:nvPicPr>
+        <p:blipFill>
+          <a:blip r:embed="rId2"/>
+          <a:stretch>
+            <a:fillRect/>
+          </a:stretch>
+        </p:blipFill>
+        <p:spPr>
+          <a:xfrm>
+            <a:off x="1309780" y="1943916"/>
+            <a:ext cx="9572439" cy="4854839"/>
+          </a:xfrm>
+          <a:prstGeom prst="rect">
+            <a:avLst/>
+          </a:prstGeom>
+        </p:spPr>
+      </p:pic>
       <p:sp>
         <p:nvSpPr>
           <p:cNvPr id="2" name="Título 1"/>
@@ -14700,63 +14730,9 @@
           </a:p>
         </p:txBody>
       </p:sp>
-      <p:sp>
-        <p:nvSpPr>
-          <p:cNvPr id="3" name="Espaço Reservado para Conteúdo 2"/>
-          <p:cNvSpPr>
-            <a:spLocks noGrp="1"/>
-          </p:cNvSpPr>
-          <p:nvPr>
-            <p:ph idx="1"/>
-          </p:nvPr>
-        </p:nvSpPr>
-        <p:spPr>
-          <a:xfrm>
-            <a:off x="838200" y="1883613"/>
-            <a:ext cx="10515600" cy="4351338"/>
-          </a:xfrm>
-        </p:spPr>
-        <p:txBody>
-          <a:bodyPr/>
-          <a:lstStyle/>
-          <a:p>
-            <a:endParaRPr lang="pt-BR" dirty="0"/>
-          </a:p>
-        </p:txBody>
-      </p:sp>
       <p:pic>
         <p:nvPicPr>
           <p:cNvPr id="5" name="Espaço Reservado para Conteúdo 3"/>
-          <p:cNvPicPr>
-            <a:picLocks noChangeAspect="1"/>
-          </p:cNvPicPr>
-          <p:nvPr/>
-        </p:nvPicPr>
-        <p:blipFill>
-          <a:blip r:embed="rId2">
-            <a:extLst>
-              <a:ext uri="{28A0092B-C50C-407E-A947-70E740481C1C}">
-                <a14:useLocalDpi xmlns:a14="http://schemas.microsoft.com/office/drawing/2010/main" val="0"/>
-              </a:ext>
-            </a:extLst>
-          </a:blip>
-          <a:stretch>
-            <a:fillRect/>
-          </a:stretch>
-        </p:blipFill>
-        <p:spPr>
-          <a:xfrm>
-            <a:off x="818712" y="1139143"/>
-            <a:ext cx="11373288" cy="695325"/>
-          </a:xfrm>
-          <a:prstGeom prst="rect">
-            <a:avLst/>
-          </a:prstGeom>
-        </p:spPr>
-      </p:pic>
-      <p:pic>
-        <p:nvPicPr>
-          <p:cNvPr id="9" name="Espaço Reservado para Conteúdo 7"/>
           <p:cNvPicPr>
             <a:picLocks noChangeAspect="1"/>
           </p:cNvPicPr>
@@ -14776,6 +14752,36 @@
         </p:blipFill>
         <p:spPr>
           <a:xfrm>
+            <a:off x="818712" y="1139143"/>
+            <a:ext cx="11373288" cy="695325"/>
+          </a:xfrm>
+          <a:prstGeom prst="rect">
+            <a:avLst/>
+          </a:prstGeom>
+        </p:spPr>
+      </p:pic>
+      <p:pic>
+        <p:nvPicPr>
+          <p:cNvPr id="9" name="Espaço Reservado para Conteúdo 7"/>
+          <p:cNvPicPr>
+            <a:picLocks noChangeAspect="1"/>
+          </p:cNvPicPr>
+          <p:nvPr/>
+        </p:nvPicPr>
+        <p:blipFill>
+          <a:blip r:embed="rId4">
+            <a:extLst>
+              <a:ext uri="{28A0092B-C50C-407E-A947-70E740481C1C}">
+                <a14:useLocalDpi xmlns:a14="http://schemas.microsoft.com/office/drawing/2010/main" val="0"/>
+              </a:ext>
+            </a:extLst>
+          </a:blip>
+          <a:stretch>
+            <a:fillRect/>
+          </a:stretch>
+        </p:blipFill>
+        <p:spPr>
+          <a:xfrm>
             <a:off x="11308648" y="6370179"/>
             <a:ext cx="883352" cy="487821"/>
           </a:xfrm>
@@ -14809,7 +14815,7 @@
             <a:pPr algn="ctr"/>
             <a:r>
               <a:rPr lang="pt-BR" dirty="0"/>
-              <a:t>37</a:t>
+              <a:t>38</a:t>
             </a:r>
           </a:p>
         </p:txBody>
@@ -14985,7 +14991,7 @@
             <a:pPr algn="ctr"/>
             <a:r>
               <a:rPr lang="pt-BR" dirty="0"/>
-              <a:t>41</a:t>
+              <a:t>39</a:t>
             </a:r>
           </a:p>
         </p:txBody>
@@ -16248,7 +16254,7 @@
             <a:pPr algn="ctr"/>
             <a:r>
               <a:rPr lang="pt-BR" dirty="0"/>
-              <a:t>42</a:t>
+              <a:t>40</a:t>
             </a:r>
           </a:p>
         </p:txBody>
